--- a/Presentation Final.pptx
+++ b/Presentation Final.pptx
@@ -3550,8 +3550,13 @@
           <a:p>
             <a:r>
               <a:rPr lang="en-GB" dirty="0"/>
-              <a:t>To find a cheaper and quality place to live in the UK</a:t>
-            </a:r>
+              <a:t>Alice is a good worker </a:t>
+            </a:r>
+            <a:r>
+              <a:rPr lang="en-GB"/>
+              <a:t>and colleague</a:t>
+            </a:r>
+            <a:endParaRPr lang="en-GB" dirty="0"/>
           </a:p>
           <a:p>
             <a:endParaRPr lang="en-GB" dirty="0"/>

--- a/Presentation Final.pptx
+++ b/Presentation Final.pptx
@@ -784,7 +784,7 @@
           <a:p>
             <a:fld id="{267759AC-1CCA-43CD-AB91-F380BAF57734}" type="datetime1">
               <a:rPr lang="en-GB" smtClean="0"/>
-              <a:t>10/01/2017</a:t>
+              <a:t>09/08/2016</a:t>
             </a:fld>
             <a:endParaRPr lang="en-GB"/>
           </a:p>
@@ -954,7 +954,7 @@
           <a:p>
             <a:fld id="{829C962F-D947-48BB-A030-E3BD80E38AE0}" type="datetime1">
               <a:rPr lang="en-GB" smtClean="0"/>
-              <a:t>10/01/2017</a:t>
+              <a:t>09/08/2016</a:t>
             </a:fld>
             <a:endParaRPr lang="en-GB"/>
           </a:p>
@@ -1134,7 +1134,7 @@
           <a:p>
             <a:fld id="{95D5999A-6016-4823-BB9B-D7BD22199603}" type="datetime1">
               <a:rPr lang="en-GB" smtClean="0"/>
-              <a:t>10/01/2017</a:t>
+              <a:t>09/08/2016</a:t>
             </a:fld>
             <a:endParaRPr lang="en-GB"/>
           </a:p>
@@ -1304,7 +1304,7 @@
           <a:p>
             <a:fld id="{0DFD4E05-1D99-406C-8EFE-284DABB64A44}" type="datetime1">
               <a:rPr lang="en-GB" smtClean="0"/>
-              <a:t>10/01/2017</a:t>
+              <a:t>09/08/2016</a:t>
             </a:fld>
             <a:endParaRPr lang="en-GB"/>
           </a:p>
@@ -1550,7 +1550,7 @@
           <a:p>
             <a:fld id="{70E3795A-8052-4BB3-A840-9FD08F20BC14}" type="datetime1">
               <a:rPr lang="en-GB" smtClean="0"/>
-              <a:t>10/01/2017</a:t>
+              <a:t>09/08/2016</a:t>
             </a:fld>
             <a:endParaRPr lang="en-GB"/>
           </a:p>
@@ -1782,7 +1782,7 @@
           <a:p>
             <a:fld id="{5AA1E28B-CCEE-4E35-8AA6-7C85FD07882C}" type="datetime1">
               <a:rPr lang="en-GB" smtClean="0"/>
-              <a:t>10/01/2017</a:t>
+              <a:t>09/08/2016</a:t>
             </a:fld>
             <a:endParaRPr lang="en-GB"/>
           </a:p>
@@ -2149,7 +2149,7 @@
           <a:p>
             <a:fld id="{D42ADA5A-E86C-4523-9E99-9F2C729A762E}" type="datetime1">
               <a:rPr lang="en-GB" smtClean="0"/>
-              <a:t>10/01/2017</a:t>
+              <a:t>09/08/2016</a:t>
             </a:fld>
             <a:endParaRPr lang="en-GB"/>
           </a:p>
@@ -2267,7 +2267,7 @@
           <a:p>
             <a:fld id="{FF3BEB69-DB29-4196-96E5-AE6CA86A872E}" type="datetime1">
               <a:rPr lang="en-GB" smtClean="0"/>
-              <a:t>10/01/2017</a:t>
+              <a:t>09/08/2016</a:t>
             </a:fld>
             <a:endParaRPr lang="en-GB"/>
           </a:p>
@@ -2362,7 +2362,7 @@
           <a:p>
             <a:fld id="{B358D9AC-A6B2-4DE2-943A-35F387B7AC21}" type="datetime1">
               <a:rPr lang="en-GB" smtClean="0"/>
-              <a:t>10/01/2017</a:t>
+              <a:t>09/08/2016</a:t>
             </a:fld>
             <a:endParaRPr lang="en-GB"/>
           </a:p>
@@ -2639,7 +2639,7 @@
           <a:p>
             <a:fld id="{7CBCD54A-D75C-4AE8-A87E-F3B57AD91C11}" type="datetime1">
               <a:rPr lang="en-GB" smtClean="0"/>
-              <a:t>10/01/2017</a:t>
+              <a:t>09/08/2016</a:t>
             </a:fld>
             <a:endParaRPr lang="en-GB"/>
           </a:p>
@@ -2892,7 +2892,7 @@
           <a:p>
             <a:fld id="{3E3F07D7-5BC7-4075-B018-47764B031F32}" type="datetime1">
               <a:rPr lang="en-GB" smtClean="0"/>
-              <a:t>10/01/2017</a:t>
+              <a:t>09/08/2016</a:t>
             </a:fld>
             <a:endParaRPr lang="en-GB"/>
           </a:p>
@@ -3105,7 +3105,7 @@
           <a:p>
             <a:fld id="{73838C6D-1CA6-420B-BF28-97F1FCDC8942}" type="datetime1">
               <a:rPr lang="en-GB" smtClean="0"/>
-              <a:t>10/01/2017</a:t>
+              <a:t>09/08/2016</a:t>
             </a:fld>
             <a:endParaRPr lang="en-GB"/>
           </a:p>
@@ -3550,13 +3550,8 @@
           <a:p>
             <a:r>
               <a:rPr lang="en-GB" dirty="0"/>
-              <a:t>Alice is a good worker </a:t>
-            </a:r>
-            <a:r>
-              <a:rPr lang="en-GB"/>
-              <a:t>and colleague</a:t>
-            </a:r>
-            <a:endParaRPr lang="en-GB" dirty="0"/>
+              <a:t>To find a cheaper and quality place to live in the UK</a:t>
+            </a:r>
           </a:p>
           <a:p>
             <a:endParaRPr lang="en-GB" dirty="0"/>
